--- a/Intro_Statistics_2019.pptx
+++ b/Intro_Statistics_2019.pptx
@@ -3445,7 +3445,15 @@
                   <a:schemeClr val="tx1"/>
                 </a:solidFill>
               </a:rPr>
-              <a:t>Natalia Levshina © 2018</a:t>
+              <a:t>Natalia Levshina </a:t>
+            </a:r>
+            <a:r>
+              <a:rPr lang="en-US" sz="2800">
+                <a:solidFill>
+                  <a:schemeClr val="tx1"/>
+                </a:solidFill>
+              </a:rPr>
+              <a:t>© 2019</a:t>
             </a:r>
             <a:endParaRPr lang="fr-BE" sz="2800" dirty="0">
               <a:solidFill>
